--- a/sys_FecundityAnnualFemales.pptx
+++ b/sys_FecundityAnnualFemales.pptx
@@ -111,15 +111,6 @@
 <p:cmAuthorLst xmlns:a="http://schemas.openxmlformats.org/drawingml/2006/main" xmlns:r="http://schemas.openxmlformats.org/officeDocument/2006/relationships" xmlns:p="http://schemas.openxmlformats.org/presentationml/2006/main">
   <p:cmAuthor id="0" name="Malika" initials="MI" lastIdx="1" clrIdx="0"/>
 </p:cmAuthorLst>
-</file>
-
-<file path=ppt/comments/comment1.xml><?xml version="1.0" encoding="utf-8"?>
-<p:cmLst xmlns:a="http://schemas.openxmlformats.org/drawingml/2006/main" xmlns:r="http://schemas.openxmlformats.org/officeDocument/2006/relationships" xmlns:p="http://schemas.openxmlformats.org/presentationml/2006/main">
-  <p:cm authorId="0" dt="2015-12-06T19:13:26.186" idx="1">
-    <p:pos x="3632" y="4672"/>
-    <p:text>see sys_last seen alive for potential issues with this query</p:text>
-  </p:cm>
-</p:cmLst>
 </file>
 
 <file path=ppt/diagrams/colors1.xml><?xml version="1.0" encoding="utf-8"?>
@@ -1722,14 +1713,6 @@
             </a:rPr>
             <a:t>Sire</a:t>
           </a:r>
-          <a:r>
-            <a:rPr lang="en-US" sz="900" b="1" dirty="0" smtClean="0">
-              <a:solidFill>
-                <a:schemeClr val="tx2"/>
-              </a:solidFill>
-            </a:rPr>
-            <a:t/>
-          </a:r>
           <a:br>
             <a:rPr lang="en-US" sz="900" b="1" dirty="0" smtClean="0">
               <a:solidFill>
@@ -5084,6 +5067,13 @@
     <dgm:pt modelId="{DF06EDE7-DB07-414D-A767-6D52937F245F}" type="pres">
       <dgm:prSet presAssocID="{69875E25-D575-4791-87EE-167B5A882C8D}" presName="Name64" presStyleLbl="parChTrans1D4" presStyleIdx="22" presStyleCnt="32"/>
       <dgm:spPr/>
+      <dgm:t>
+        <a:bodyPr/>
+        <a:lstStyle/>
+        <a:p>
+          <a:endParaRPr lang="en-US"/>
+        </a:p>
+      </dgm:t>
     </dgm:pt>
     <dgm:pt modelId="{0EAD6EE0-58CA-4E14-8A4B-CEC8AE6A03FE}" type="pres">
       <dgm:prSet presAssocID="{106EA3E1-D51C-4A12-A077-3A7024F50003}" presName="hierRoot2" presStyleCnt="0">
@@ -5773,9 +5763,9 @@
     <dgm:cxn modelId="{ED63253B-EECE-4FD1-9579-F3E93D79E3D5}" type="presOf" srcId="{F220ED96-F07D-4014-A20A-49211CD63EC7}" destId="{1F06367B-9533-4AAC-A693-CEF51EA98DB3}" srcOrd="0" destOrd="0" presId="urn:microsoft.com/office/officeart/2009/3/layout/HorizontalOrganizationChart"/>
     <dgm:cxn modelId="{8407C52A-4369-485E-AD9F-75C75FB065E0}" type="presOf" srcId="{F9B835EB-C1ED-4582-B273-EE74DAAA417C}" destId="{D8260E55-ED64-4892-9D6C-2AAE35BA590A}" srcOrd="0" destOrd="0" presId="urn:microsoft.com/office/officeart/2009/3/layout/HorizontalOrganizationChart"/>
     <dgm:cxn modelId="{FF4794E0-62D3-4746-926A-E3194CB39253}" type="presOf" srcId="{7FB827DC-D9CF-4649-9B03-54763D386823}" destId="{C1A595B3-9378-4266-952E-0C6EB2419C9D}" srcOrd="0" destOrd="0" presId="urn:microsoft.com/office/officeart/2009/3/layout/HorizontalOrganizationChart"/>
+    <dgm:cxn modelId="{EDF0626C-C606-441E-8748-A3E1F45CFE87}" srcId="{031D5E04-DB65-41DC-B778-1176383DB076}" destId="{5C64BA30-3D89-4BE3-9DC4-EA9EC595E272}" srcOrd="4" destOrd="0" parTransId="{51C0CC20-FE9E-482E-9E28-3F6A591E4A38}" sibTransId="{5C243FD4-7505-44E6-B045-2E5460DA099B}"/>
     <dgm:cxn modelId="{AC4DAF2D-61E7-47BE-BF04-BA3E41088698}" type="presOf" srcId="{E1BAEAE3-9E44-4398-856B-6F2F4F5C95BC}" destId="{48DA6270-55C8-43A5-8771-06D78E31D1F8}" srcOrd="1" destOrd="0" presId="urn:microsoft.com/office/officeart/2009/3/layout/HorizontalOrganizationChart"/>
     <dgm:cxn modelId="{ED49BDE1-2965-4B2B-97FC-2167AE296AD9}" type="presOf" srcId="{53B9D094-B7F6-4911-A6AE-B3FFFA1E3667}" destId="{615030D4-C00B-47AA-BB1A-F8E8D0DD7BD4}" srcOrd="0" destOrd="0" presId="urn:microsoft.com/office/officeart/2009/3/layout/HorizontalOrganizationChart"/>
-    <dgm:cxn modelId="{EDF0626C-C606-441E-8748-A3E1F45CFE87}" srcId="{031D5E04-DB65-41DC-B778-1176383DB076}" destId="{5C64BA30-3D89-4BE3-9DC4-EA9EC595E272}" srcOrd="4" destOrd="0" parTransId="{51C0CC20-FE9E-482E-9E28-3F6A591E4A38}" sibTransId="{5C243FD4-7505-44E6-B045-2E5460DA099B}"/>
     <dgm:cxn modelId="{4D0E896D-CAB5-45E7-8A63-916B0A6C49C0}" type="presOf" srcId="{2AA9281F-97FF-4D9F-BCFD-A0991E1B2A26}" destId="{F0D9B0F1-D8FC-48DD-B780-1BD02A66F20C}" srcOrd="0" destOrd="0" presId="urn:microsoft.com/office/officeart/2009/3/layout/HorizontalOrganizationChart"/>
     <dgm:cxn modelId="{DD325334-D436-49A1-B0E2-883EAD15055A}" type="presOf" srcId="{FFE9835C-2F5E-4118-BCFC-8FB706EF39EB}" destId="{1E0F7758-39B9-4DA2-8BD3-46495DA499A1}" srcOrd="0" destOrd="0" presId="urn:microsoft.com/office/officeart/2009/3/layout/HorizontalOrganizationChart"/>
     <dgm:cxn modelId="{C3E35311-BEEB-4464-83A3-8CE49F027233}" type="presOf" srcId="{9691C497-BD5B-4B1D-BE3B-513C19BC33DF}" destId="{A44D3300-9380-4929-84EF-5527890F684B}" srcOrd="0" destOrd="0" presId="urn:microsoft.com/office/officeart/2009/3/layout/HorizontalOrganizationChart"/>
@@ -10393,14 +10383,6 @@
               </a:solidFill>
             </a:rPr>
             <a:t>Sire</a:t>
-          </a:r>
-          <a:r>
-            <a:rPr lang="en-US" sz="900" b="1" kern="1200" dirty="0" smtClean="0">
-              <a:solidFill>
-                <a:schemeClr val="tx2"/>
-              </a:solidFill>
-            </a:rPr>
-            <a:t/>
           </a:r>
           <a:br>
             <a:rPr lang="en-US" sz="900" b="1" kern="1200" dirty="0" smtClean="0">
@@ -14736,7 +14718,7 @@
           <a:p>
             <a:fld id="{0E86F4E9-671E-4C07-AE61-D9AD58733843}" type="datetimeFigureOut">
               <a:rPr lang="en-US" smtClean="0"/>
-              <a:t>07.12.2015</a:t>
+              <a:t>02.05.2016</a:t>
             </a:fld>
             <a:endParaRPr lang="en-US"/>
           </a:p>
@@ -14906,7 +14888,7 @@
           <a:p>
             <a:fld id="{0E86F4E9-671E-4C07-AE61-D9AD58733843}" type="datetimeFigureOut">
               <a:rPr lang="en-US" smtClean="0"/>
-              <a:t>07.12.2015</a:t>
+              <a:t>02.05.2016</a:t>
             </a:fld>
             <a:endParaRPr lang="en-US"/>
           </a:p>
@@ -15086,7 +15068,7 @@
           <a:p>
             <a:fld id="{0E86F4E9-671E-4C07-AE61-D9AD58733843}" type="datetimeFigureOut">
               <a:rPr lang="en-US" smtClean="0"/>
-              <a:t>07.12.2015</a:t>
+              <a:t>02.05.2016</a:t>
             </a:fld>
             <a:endParaRPr lang="en-US"/>
           </a:p>
@@ -15256,7 +15238,7 @@
           <a:p>
             <a:fld id="{0E86F4E9-671E-4C07-AE61-D9AD58733843}" type="datetimeFigureOut">
               <a:rPr lang="en-US" smtClean="0"/>
-              <a:t>07.12.2015</a:t>
+              <a:t>02.05.2016</a:t>
             </a:fld>
             <a:endParaRPr lang="en-US"/>
           </a:p>
@@ -15502,7 +15484,7 @@
           <a:p>
             <a:fld id="{0E86F4E9-671E-4C07-AE61-D9AD58733843}" type="datetimeFigureOut">
               <a:rPr lang="en-US" smtClean="0"/>
-              <a:t>07.12.2015</a:t>
+              <a:t>02.05.2016</a:t>
             </a:fld>
             <a:endParaRPr lang="en-US"/>
           </a:p>
@@ -15790,7 +15772,7 @@
           <a:p>
             <a:fld id="{0E86F4E9-671E-4C07-AE61-D9AD58733843}" type="datetimeFigureOut">
               <a:rPr lang="en-US" smtClean="0"/>
-              <a:t>07.12.2015</a:t>
+              <a:t>02.05.2016</a:t>
             </a:fld>
             <a:endParaRPr lang="en-US"/>
           </a:p>
@@ -16212,7 +16194,7 @@
           <a:p>
             <a:fld id="{0E86F4E9-671E-4C07-AE61-D9AD58733843}" type="datetimeFigureOut">
               <a:rPr lang="en-US" smtClean="0"/>
-              <a:t>07.12.2015</a:t>
+              <a:t>02.05.2016</a:t>
             </a:fld>
             <a:endParaRPr lang="en-US"/>
           </a:p>
@@ -16330,7 +16312,7 @@
           <a:p>
             <a:fld id="{0E86F4E9-671E-4C07-AE61-D9AD58733843}" type="datetimeFigureOut">
               <a:rPr lang="en-US" smtClean="0"/>
-              <a:t>07.12.2015</a:t>
+              <a:t>02.05.2016</a:t>
             </a:fld>
             <a:endParaRPr lang="en-US"/>
           </a:p>
@@ -16425,7 +16407,7 @@
           <a:p>
             <a:fld id="{0E86F4E9-671E-4C07-AE61-D9AD58733843}" type="datetimeFigureOut">
               <a:rPr lang="en-US" smtClean="0"/>
-              <a:t>07.12.2015</a:t>
+              <a:t>02.05.2016</a:t>
             </a:fld>
             <a:endParaRPr lang="en-US"/>
           </a:p>
@@ -16702,7 +16684,7 @@
           <a:p>
             <a:fld id="{0E86F4E9-671E-4C07-AE61-D9AD58733843}" type="datetimeFigureOut">
               <a:rPr lang="en-US" smtClean="0"/>
-              <a:t>07.12.2015</a:t>
+              <a:t>02.05.2016</a:t>
             </a:fld>
             <a:endParaRPr lang="en-US"/>
           </a:p>
@@ -16955,7 +16937,7 @@
           <a:p>
             <a:fld id="{0E86F4E9-671E-4C07-AE61-D9AD58733843}" type="datetimeFigureOut">
               <a:rPr lang="en-US" smtClean="0"/>
-              <a:t>07.12.2015</a:t>
+              <a:t>02.05.2016</a:t>
             </a:fld>
             <a:endParaRPr lang="en-US"/>
           </a:p>
@@ -17168,7 +17150,7 @@
           <a:p>
             <a:fld id="{0E86F4E9-671E-4C07-AE61-D9AD58733843}" type="datetimeFigureOut">
               <a:rPr lang="en-US" smtClean="0"/>
-              <a:t>07.12.2015</a:t>
+              <a:t>02.05.2016</a:t>
             </a:fld>
             <a:endParaRPr lang="en-US"/>
           </a:p>
